--- a/docs/chofufes2022-map.pptx
+++ b/docs/chofufes2022-map.pptx
@@ -18831,7 +18831,7 @@
                 <a:cs typeface="JetBrains Mono"/>
                 <a:sym typeface="JetBrains Mono"/>
               </a:rPr>
-              <a:t>s6</a:t>
+              <a:t>s5</a:t>
             </a:r>
             <a:endParaRPr sz="900" b="0" i="0" u="none" strike="noStrike" cap="none" dirty="0">
               <a:solidFill>
@@ -20403,7 +20403,7 @@
                 <a:cs typeface="JetBrains Mono"/>
                 <a:sym typeface="JetBrains Mono"/>
               </a:rPr>
-              <a:t>s5</a:t>
+              <a:t>S0</a:t>
             </a:r>
             <a:endParaRPr sz="900" b="0" i="0" u="none" strike="noStrike" cap="none" dirty="0">
               <a:solidFill>
